--- a/Presentazione RASD/Presentazione RASD.pptx
+++ b/Presentazione RASD/Presentazione RASD.pptx
@@ -5,7 +5,7 @@
     <p:sldMasterId id="2147483648" r:id="rId1"/>
   </p:sldMasterIdLst>
   <p:notesMasterIdLst>
-    <p:notesMasterId r:id="rId32"/>
+    <p:notesMasterId r:id="rId33"/>
   </p:notesMasterIdLst>
   <p:sldIdLst>
     <p:sldId id="256" r:id="rId2"/>
@@ -27,17 +27,18 @@
     <p:sldId id="272" r:id="rId18"/>
     <p:sldId id="273" r:id="rId19"/>
     <p:sldId id="274" r:id="rId20"/>
-    <p:sldId id="275" r:id="rId21"/>
-    <p:sldId id="276" r:id="rId22"/>
-    <p:sldId id="277" r:id="rId23"/>
-    <p:sldId id="278" r:id="rId24"/>
-    <p:sldId id="279" r:id="rId25"/>
-    <p:sldId id="280" r:id="rId26"/>
-    <p:sldId id="281" r:id="rId27"/>
-    <p:sldId id="282" r:id="rId28"/>
-    <p:sldId id="283" r:id="rId29"/>
-    <p:sldId id="284" r:id="rId30"/>
-    <p:sldId id="285" r:id="rId31"/>
+    <p:sldId id="286" r:id="rId21"/>
+    <p:sldId id="275" r:id="rId22"/>
+    <p:sldId id="276" r:id="rId23"/>
+    <p:sldId id="277" r:id="rId24"/>
+    <p:sldId id="278" r:id="rId25"/>
+    <p:sldId id="279" r:id="rId26"/>
+    <p:sldId id="280" r:id="rId27"/>
+    <p:sldId id="281" r:id="rId28"/>
+    <p:sldId id="282" r:id="rId29"/>
+    <p:sldId id="283" r:id="rId30"/>
+    <p:sldId id="284" r:id="rId31"/>
+    <p:sldId id="285" r:id="rId32"/>
   </p:sldIdLst>
   <p:sldSz cx="12192000" cy="6858000"/>
   <p:notesSz cx="6858000" cy="9144000"/>
@@ -1588,7 +1589,7 @@
     </p:spTree>
     <p:extLst>
       <p:ext uri="{BB962C8B-B14F-4D97-AF65-F5344CB8AC3E}">
-        <p14:creationId xmlns:p14="http://schemas.microsoft.com/office/powerpoint/2010/main" val="775498537"/>
+        <p14:creationId xmlns:p14="http://schemas.microsoft.com/office/powerpoint/2010/main" val="2181823108"/>
       </p:ext>
     </p:extLst>
   </p:cSld>
@@ -1672,7 +1673,7 @@
     </p:spTree>
     <p:extLst>
       <p:ext uri="{BB962C8B-B14F-4D97-AF65-F5344CB8AC3E}">
-        <p14:creationId xmlns:p14="http://schemas.microsoft.com/office/powerpoint/2010/main" val="1533330738"/>
+        <p14:creationId xmlns:p14="http://schemas.microsoft.com/office/powerpoint/2010/main" val="775498537"/>
       </p:ext>
     </p:extLst>
   </p:cSld>
@@ -1756,7 +1757,7 @@
     </p:spTree>
     <p:extLst>
       <p:ext uri="{BB962C8B-B14F-4D97-AF65-F5344CB8AC3E}">
-        <p14:creationId xmlns:p14="http://schemas.microsoft.com/office/powerpoint/2010/main" val="1964361487"/>
+        <p14:creationId xmlns:p14="http://schemas.microsoft.com/office/powerpoint/2010/main" val="1533330738"/>
       </p:ext>
     </p:extLst>
   </p:cSld>
@@ -1840,7 +1841,7 @@
     </p:spTree>
     <p:extLst>
       <p:ext uri="{BB962C8B-B14F-4D97-AF65-F5344CB8AC3E}">
-        <p14:creationId xmlns:p14="http://schemas.microsoft.com/office/powerpoint/2010/main" val="2966467366"/>
+        <p14:creationId xmlns:p14="http://schemas.microsoft.com/office/powerpoint/2010/main" val="1964361487"/>
       </p:ext>
     </p:extLst>
   </p:cSld>
@@ -1924,7 +1925,7 @@
     </p:spTree>
     <p:extLst>
       <p:ext uri="{BB962C8B-B14F-4D97-AF65-F5344CB8AC3E}">
-        <p14:creationId xmlns:p14="http://schemas.microsoft.com/office/powerpoint/2010/main" val="1971210051"/>
+        <p14:creationId xmlns:p14="http://schemas.microsoft.com/office/powerpoint/2010/main" val="2966467366"/>
       </p:ext>
     </p:extLst>
   </p:cSld>
@@ -2008,7 +2009,7 @@
     </p:spTree>
     <p:extLst>
       <p:ext uri="{BB962C8B-B14F-4D97-AF65-F5344CB8AC3E}">
-        <p14:creationId xmlns:p14="http://schemas.microsoft.com/office/powerpoint/2010/main" val="826466995"/>
+        <p14:creationId xmlns:p14="http://schemas.microsoft.com/office/powerpoint/2010/main" val="1971210051"/>
       </p:ext>
     </p:extLst>
   </p:cSld>
@@ -2092,7 +2093,7 @@
     </p:spTree>
     <p:extLst>
       <p:ext uri="{BB962C8B-B14F-4D97-AF65-F5344CB8AC3E}">
-        <p14:creationId xmlns:p14="http://schemas.microsoft.com/office/powerpoint/2010/main" val="3265381383"/>
+        <p14:creationId xmlns:p14="http://schemas.microsoft.com/office/powerpoint/2010/main" val="826466995"/>
       </p:ext>
     </p:extLst>
   </p:cSld>
@@ -2176,7 +2177,7 @@
     </p:spTree>
     <p:extLst>
       <p:ext uri="{BB962C8B-B14F-4D97-AF65-F5344CB8AC3E}">
-        <p14:creationId xmlns:p14="http://schemas.microsoft.com/office/powerpoint/2010/main" val="543386450"/>
+        <p14:creationId xmlns:p14="http://schemas.microsoft.com/office/powerpoint/2010/main" val="3265381383"/>
       </p:ext>
     </p:extLst>
   </p:cSld>
@@ -2260,7 +2261,7 @@
     </p:spTree>
     <p:extLst>
       <p:ext uri="{BB962C8B-B14F-4D97-AF65-F5344CB8AC3E}">
-        <p14:creationId xmlns:p14="http://schemas.microsoft.com/office/powerpoint/2010/main" val="2595441680"/>
+        <p14:creationId xmlns:p14="http://schemas.microsoft.com/office/powerpoint/2010/main" val="543386450"/>
       </p:ext>
     </p:extLst>
   </p:cSld>
@@ -2344,7 +2345,7 @@
     </p:spTree>
     <p:extLst>
       <p:ext uri="{BB962C8B-B14F-4D97-AF65-F5344CB8AC3E}">
-        <p14:creationId xmlns:p14="http://schemas.microsoft.com/office/powerpoint/2010/main" val="2237220127"/>
+        <p14:creationId xmlns:p14="http://schemas.microsoft.com/office/powerpoint/2010/main" val="2595441680"/>
       </p:ext>
     </p:extLst>
   </p:cSld>
@@ -2504,6 +2505,90 @@
             <a:fld id="{6C183525-3C74-4FD3-80AB-09ED18316F6B}" type="slidenum">
               <a:rPr lang="en-GB" smtClean="0"/>
               <a:t>30</a:t>
+            </a:fld>
+            <a:endParaRPr lang="en-GB"/>
+          </a:p>
+        </p:txBody>
+      </p:sp>
+    </p:spTree>
+    <p:extLst>
+      <p:ext uri="{BB962C8B-B14F-4D97-AF65-F5344CB8AC3E}">
+        <p14:creationId xmlns:p14="http://schemas.microsoft.com/office/powerpoint/2010/main" val="2237220127"/>
+      </p:ext>
+    </p:extLst>
+  </p:cSld>
+  <p:clrMapOvr>
+    <a:masterClrMapping/>
+  </p:clrMapOvr>
+</p:notes>
+</file>
+
+<file path=ppt/notesSlides/notesSlide31.xml><?xml version="1.0" encoding="utf-8"?>
+<p:notes xmlns:a="http://schemas.openxmlformats.org/drawingml/2006/main" xmlns:r="http://schemas.openxmlformats.org/officeDocument/2006/relationships" xmlns:p="http://schemas.openxmlformats.org/presentationml/2006/main">
+  <p:cSld>
+    <p:spTree>
+      <p:nvGrpSpPr>
+        <p:cNvPr id="1" name=""/>
+        <p:cNvGrpSpPr/>
+        <p:nvPr/>
+      </p:nvGrpSpPr>
+      <p:grpSpPr>
+        <a:xfrm>
+          <a:off x="0" y="0"/>
+          <a:ext cx="0" cy="0"/>
+          <a:chOff x="0" y="0"/>
+          <a:chExt cx="0" cy="0"/>
+        </a:xfrm>
+      </p:grpSpPr>
+      <p:sp>
+        <p:nvSpPr>
+          <p:cNvPr id="2" name="Segnaposto immagine diapositiva 1"/>
+          <p:cNvSpPr>
+            <a:spLocks noGrp="1" noRot="1" noChangeAspect="1"/>
+          </p:cNvSpPr>
+          <p:nvPr>
+            <p:ph type="sldImg"/>
+          </p:nvPr>
+        </p:nvSpPr>
+        <p:spPr/>
+      </p:sp>
+      <p:sp>
+        <p:nvSpPr>
+          <p:cNvPr id="3" name="Segnaposto note 2"/>
+          <p:cNvSpPr>
+            <a:spLocks noGrp="1"/>
+          </p:cNvSpPr>
+          <p:nvPr>
+            <p:ph type="body" idx="1"/>
+          </p:nvPr>
+        </p:nvSpPr>
+        <p:spPr/>
+        <p:txBody>
+          <a:bodyPr/>
+          <a:lstStyle/>
+          <a:p>
+            <a:endParaRPr lang="en-GB"/>
+          </a:p>
+        </p:txBody>
+      </p:sp>
+      <p:sp>
+        <p:nvSpPr>
+          <p:cNvPr id="4" name="Segnaposto numero diapositiva 3"/>
+          <p:cNvSpPr>
+            <a:spLocks noGrp="1"/>
+          </p:cNvSpPr>
+          <p:nvPr>
+            <p:ph type="sldNum" sz="quarter" idx="10"/>
+          </p:nvPr>
+        </p:nvSpPr>
+        <p:spPr/>
+        <p:txBody>
+          <a:bodyPr/>
+          <a:lstStyle/>
+          <a:p>
+            <a:fld id="{6C183525-3C74-4FD3-80AB-09ED18316F6B}" type="slidenum">
+              <a:rPr lang="en-GB" smtClean="0"/>
+              <a:t>31</a:t>
             </a:fld>
             <a:endParaRPr lang="en-GB"/>
           </a:p>
@@ -6365,13 +6450,7 @@
               <a:rPr lang="it-IT" sz="3600" b="1" dirty="0" smtClean="0">
                 <a:latin typeface="Comic Sans MS" panose="030F0702030302020204" pitchFamily="66" charset="0"/>
               </a:rPr>
-              <a:t>FUNCTIONAL </a:t>
-            </a:r>
-            <a:r>
-              <a:rPr lang="it-IT" sz="3600" b="1" dirty="0" smtClean="0">
-                <a:latin typeface="Comic Sans MS" panose="030F0702030302020204" pitchFamily="66" charset="0"/>
-              </a:rPr>
-              <a:t>REQUIREMENTS</a:t>
+              <a:t>FUNCTIONAL REQUIREMENTS</a:t>
             </a:r>
             <a:endParaRPr lang="it-IT" sz="3600" b="1" dirty="0">
               <a:latin typeface="Comic Sans MS" panose="030F0702030302020204" pitchFamily="66" charset="0"/>
@@ -6751,13 +6830,7 @@
               <a:rPr lang="it-IT" sz="3600" b="1" dirty="0" smtClean="0">
                 <a:latin typeface="Comic Sans MS" panose="030F0702030302020204" pitchFamily="66" charset="0"/>
               </a:rPr>
-              <a:t>FUNCTIONAL </a:t>
-            </a:r>
-            <a:r>
-              <a:rPr lang="it-IT" sz="3600" b="1" dirty="0" smtClean="0">
-                <a:latin typeface="Comic Sans MS" panose="030F0702030302020204" pitchFamily="66" charset="0"/>
-              </a:rPr>
-              <a:t>REQUIREMENTS</a:t>
+              <a:t>FUNCTIONAL REQUIREMENTS</a:t>
             </a:r>
             <a:endParaRPr lang="it-IT" sz="3600" b="1" dirty="0">
               <a:latin typeface="Comic Sans MS" panose="030F0702030302020204" pitchFamily="66" charset="0"/>
@@ -6773,7 +6846,7 @@
         </p:nvSpPr>
         <p:spPr>
           <a:xfrm>
-            <a:off x="1100137" y="1617642"/>
+            <a:off x="1074379" y="1617642"/>
             <a:ext cx="10725150" cy="6955750"/>
           </a:xfrm>
           <a:prstGeom prst="rect">
@@ -6966,7 +7039,6 @@
             </a:r>
           </a:p>
           <a:p>
-            <a:pPr algn="just"/>
             <a:r>
               <a:rPr lang="en-GB" sz="2000" dirty="0">
                 <a:latin typeface="CMSY10"/>
@@ -6980,89 +7052,76 @@
               <a:t>	</a:t>
             </a:r>
             <a:r>
-              <a:rPr lang="en-GB" sz="2000" dirty="0" smtClean="0">
-                <a:latin typeface="F15"/>
+              <a:rPr lang="en-GB" sz="2000" dirty="0">
+                <a:latin typeface="Comic Sans MS" panose="030F0702030302020204" pitchFamily="66" charset="0"/>
               </a:rPr>
               <a:t>[</a:t>
             </a:r>
             <a:r>
               <a:rPr lang="en-GB" sz="2000" dirty="0">
-                <a:latin typeface="F15"/>
+                <a:latin typeface="Comic Sans MS" panose="030F0702030302020204" pitchFamily="66" charset="0"/>
               </a:rPr>
               <a:t>R1] The system has to provide a function through which drivers </a:t>
             </a:r>
             <a:r>
-              <a:rPr lang="en-GB" sz="2000" dirty="0" smtClean="0">
-                <a:latin typeface="F15"/>
+              <a:rPr lang="en-GB" sz="2000" dirty="0">
+                <a:latin typeface="Comic Sans MS" panose="030F0702030302020204" pitchFamily="66" charset="0"/>
               </a:rPr>
               <a:t>can inform </a:t>
             </a:r>
             <a:r>
               <a:rPr lang="en-GB" sz="2000" dirty="0">
-                <a:latin typeface="F15"/>
-              </a:rPr>
-              <a:t>it of their </a:t>
-            </a:r>
-            <a:r>
-              <a:rPr lang="en-GB" sz="2000" dirty="0" smtClean="0">
-                <a:latin typeface="F15"/>
-              </a:rPr>
-              <a:t>	        availability</a:t>
-            </a:r>
-            <a:r>
-              <a:rPr lang="en-GB" sz="2000" dirty="0">
-                <a:latin typeface="F15"/>
+                <a:latin typeface="Comic Sans MS" panose="030F0702030302020204" pitchFamily="66" charset="0"/>
+              </a:rPr>
+              <a:t>it of </a:t>
+            </a:r>
+            <a:r>
+              <a:rPr lang="en-GB" sz="2000" dirty="0" smtClean="0">
+                <a:latin typeface="Comic Sans MS" panose="030F0702030302020204" pitchFamily="66" charset="0"/>
+              </a:rPr>
+              <a:t>	        their availability</a:t>
+            </a:r>
+            <a:r>
+              <a:rPr lang="en-GB" sz="2000" dirty="0">
+                <a:latin typeface="Comic Sans MS" panose="030F0702030302020204" pitchFamily="66" charset="0"/>
               </a:rPr>
               <a:t>.</a:t>
             </a:r>
           </a:p>
           <a:p>
-            <a:pPr algn="just"/>
-            <a:r>
-              <a:rPr lang="en-GB" sz="2000" dirty="0">
-                <a:latin typeface="CMSY10"/>
+            <a:r>
+              <a:rPr lang="en-GB" sz="2000" dirty="0">
+                <a:latin typeface="Comic Sans MS" panose="030F0702030302020204" pitchFamily="66" charset="0"/>
               </a:rPr>
               <a:t> </a:t>
             </a:r>
             <a:r>
-              <a:rPr lang="en-GB" sz="2000" dirty="0" smtClean="0">
-                <a:latin typeface="CMSY10"/>
-              </a:rPr>
-              <a:t>	</a:t>
-            </a:r>
-            <a:r>
-              <a:rPr lang="en-GB" sz="2000" dirty="0" smtClean="0">
-                <a:latin typeface="F15"/>
-              </a:rPr>
-              <a:t>[</a:t>
-            </a:r>
-            <a:r>
-              <a:rPr lang="en-GB" sz="2000" dirty="0">
-                <a:latin typeface="F15"/>
+              <a:rPr lang="en-GB" sz="2000" dirty="0">
+                <a:latin typeface="Comic Sans MS" panose="030F0702030302020204" pitchFamily="66" charset="0"/>
+              </a:rPr>
+              <a:t>	[</a:t>
+            </a:r>
+            <a:r>
+              <a:rPr lang="en-GB" sz="2000" dirty="0">
+                <a:latin typeface="Comic Sans MS" panose="030F0702030302020204" pitchFamily="66" charset="0"/>
               </a:rPr>
               <a:t>R2] Once they're available, the system has to insert them into the </a:t>
             </a:r>
             <a:r>
-              <a:rPr lang="en-GB" sz="2000" dirty="0" smtClean="0">
-                <a:latin typeface="F15"/>
+              <a:rPr lang="en-GB" sz="2000" dirty="0">
+                <a:latin typeface="Comic Sans MS" panose="030F0702030302020204" pitchFamily="66" charset="0"/>
               </a:rPr>
               <a:t>Taxi Queue </a:t>
             </a:r>
             <a:r>
-              <a:rPr lang="en-GB" sz="2000" dirty="0">
-                <a:latin typeface="F15"/>
-              </a:rPr>
-              <a:t>of their </a:t>
-            </a:r>
-            <a:r>
-              <a:rPr lang="en-GB" sz="2000" dirty="0" smtClean="0">
-                <a:latin typeface="F15"/>
-              </a:rPr>
-              <a:t>	        own </a:t>
-            </a:r>
-            <a:r>
-              <a:rPr lang="en-GB" sz="2000" dirty="0">
-                <a:latin typeface="F15"/>
+              <a:rPr lang="en-GB" sz="2000" dirty="0" smtClean="0">
+                <a:latin typeface="Comic Sans MS" panose="030F0702030302020204" pitchFamily="66" charset="0"/>
+              </a:rPr>
+              <a:t>	        of their own </a:t>
+            </a:r>
+            <a:r>
+              <a:rPr lang="en-GB" sz="2000" dirty="0">
+                <a:latin typeface="Comic Sans MS" panose="030F0702030302020204" pitchFamily="66" charset="0"/>
               </a:rPr>
               <a:t>zone.</a:t>
             </a:r>
@@ -7216,13 +7275,7 @@
               <a:rPr lang="it-IT" sz="3600" b="1" dirty="0" smtClean="0">
                 <a:latin typeface="Comic Sans MS" panose="030F0702030302020204" pitchFamily="66" charset="0"/>
               </a:rPr>
-              <a:t>FUNCTIONAL </a:t>
-            </a:r>
-            <a:r>
-              <a:rPr lang="it-IT" sz="3600" b="1" dirty="0" smtClean="0">
-                <a:latin typeface="Comic Sans MS" panose="030F0702030302020204" pitchFamily="66" charset="0"/>
-              </a:rPr>
-              <a:t>REQUIREMENTS</a:t>
+              <a:t>FUNCTIONAL REQUIREMENTS</a:t>
             </a:r>
             <a:endParaRPr lang="it-IT" sz="3600" b="1" dirty="0">
               <a:latin typeface="Comic Sans MS" panose="030F0702030302020204" pitchFamily="66" charset="0"/>
@@ -7340,31 +7393,49 @@
               <a:rPr lang="en-GB" sz="2000" dirty="0" smtClean="0">
                 <a:latin typeface="F15"/>
               </a:rPr>
-              <a:t>	[</a:t>
-            </a:r>
-            <a:r>
-              <a:rPr lang="en-GB" sz="2000" dirty="0">
-                <a:latin typeface="F15"/>
+              <a:t>	</a:t>
+            </a:r>
+            <a:r>
+              <a:rPr lang="en-GB" sz="2000" dirty="0">
+                <a:latin typeface="Comic Sans MS" panose="030F0702030302020204" pitchFamily="66" charset="0"/>
+              </a:rPr>
+              <a:t>[</a:t>
+            </a:r>
+            <a:r>
+              <a:rPr lang="en-GB" sz="2000" dirty="0">
+                <a:latin typeface="Comic Sans MS" panose="030F0702030302020204" pitchFamily="66" charset="0"/>
               </a:rPr>
               <a:t>R1] The system has to notify the user who made a simple request as </a:t>
             </a:r>
             <a:r>
-              <a:rPr lang="en-GB" sz="2000" dirty="0" smtClean="0">
-                <a:latin typeface="F15"/>
+              <a:rPr lang="en-GB" sz="2000" dirty="0">
+                <a:latin typeface="Comic Sans MS" panose="030F0702030302020204" pitchFamily="66" charset="0"/>
               </a:rPr>
               <a:t>soon as        	         possible</a:t>
             </a:r>
             <a:r>
               <a:rPr lang="en-GB" sz="2000" dirty="0">
-                <a:latin typeface="F15"/>
+                <a:latin typeface="Comic Sans MS" panose="030F0702030302020204" pitchFamily="66" charset="0"/>
               </a:rPr>
               <a:t>, this means as a taxi is available, informing him about </a:t>
             </a:r>
             <a:r>
-              <a:rPr lang="en-GB" sz="2000" dirty="0" smtClean="0">
-                <a:latin typeface="F15"/>
-              </a:rPr>
-              <a:t>the waiting 	              	         time.</a:t>
+              <a:rPr lang="en-GB" sz="2000" dirty="0">
+                <a:latin typeface="Comic Sans MS" panose="030F0702030302020204" pitchFamily="66" charset="0"/>
+              </a:rPr>
+              <a:t>the waiting 	         </a:t>
+            </a:r>
+            <a:r>
+              <a:rPr lang="en-GB" sz="2000" dirty="0" smtClean="0">
+                <a:latin typeface="Comic Sans MS" panose="030F0702030302020204" pitchFamily="66" charset="0"/>
+              </a:rPr>
+              <a:t>time</a:t>
+            </a:r>
+            <a:r>
+              <a:rPr lang="en-GB" sz="2000" dirty="0">
+                <a:latin typeface="Comic Sans MS" panose="030F0702030302020204" pitchFamily="66" charset="0"/>
+              </a:rPr>
+              <a:t>.</a:t>
             </a:r>
           </a:p>
           <a:p>
@@ -7600,13 +7671,7 @@
               <a:rPr lang="it-IT" sz="3600" b="1" dirty="0" smtClean="0">
                 <a:latin typeface="Comic Sans MS" panose="030F0702030302020204" pitchFamily="66" charset="0"/>
               </a:rPr>
-              <a:t>FUNCTIONAL </a:t>
-            </a:r>
-            <a:r>
-              <a:rPr lang="it-IT" sz="3600" b="1" dirty="0" smtClean="0">
-                <a:latin typeface="Comic Sans MS" panose="030F0702030302020204" pitchFamily="66" charset="0"/>
-              </a:rPr>
-              <a:t>REQUIREMENTS</a:t>
+              <a:t>FUNCTIONAL REQUIREMENTS</a:t>
             </a:r>
             <a:endParaRPr lang="it-IT" sz="3600" b="1" dirty="0">
               <a:latin typeface="Comic Sans MS" panose="030F0702030302020204" pitchFamily="66" charset="0"/>
@@ -8463,9 +8528,6 @@
               </a:rPr>
               <a:t>despite the unexpected discovery of having his car broken.</a:t>
             </a:r>
-            <a:endParaRPr lang="en-GB" sz="2000" dirty="0">
-              <a:latin typeface="Comic Sans MS" panose="030F0702030302020204" pitchFamily="66" charset="0"/>
-            </a:endParaRPr>
           </a:p>
           <a:p>
             <a:endParaRPr lang="en-GB" sz="2000" b="1" dirty="0">
@@ -8736,13 +8798,7 @@
               <a:rPr lang="en-GB" sz="2200" b="1" dirty="0">
                 <a:latin typeface="Comic Sans MS" panose="030F0702030302020204" pitchFamily="66" charset="0"/>
               </a:rPr>
-              <a:t>Scenario </a:t>
-            </a:r>
-            <a:r>
-              <a:rPr lang="en-GB" sz="2200" b="1" dirty="0">
-                <a:latin typeface="Comic Sans MS" panose="030F0702030302020204" pitchFamily="66" charset="0"/>
-              </a:rPr>
-              <a:t>2</a:t>
+              <a:t>Scenario 2</a:t>
             </a:r>
             <a:endParaRPr lang="en-GB" sz="2200" b="1" dirty="0" smtClean="0">
               <a:latin typeface="Comic Sans MS" panose="030F0702030302020204" pitchFamily="66" charset="0"/>
@@ -8850,19 +8906,7 @@
               <a:rPr lang="en-GB" sz="2000" dirty="0">
                 <a:latin typeface="Comic Sans MS" panose="030F0702030302020204" pitchFamily="66" charset="0"/>
               </a:rPr>
-              <a:t>that moment. </a:t>
-            </a:r>
-            <a:r>
-              <a:rPr lang="en-GB" sz="2000" dirty="0">
-                <a:latin typeface="Comic Sans MS" panose="030F0702030302020204" pitchFamily="66" charset="0"/>
-              </a:rPr>
-              <a:t>At 6.05 p.m. Bob's phone rings. </a:t>
-            </a:r>
-            <a:r>
-              <a:rPr lang="en-GB" sz="2000" dirty="0">
-                <a:latin typeface="Comic Sans MS" panose="030F0702030302020204" pitchFamily="66" charset="0"/>
-              </a:rPr>
-              <a:t>A </a:t>
+              <a:t>that moment. At 6.05 p.m. Bob's phone rings. A </a:t>
             </a:r>
             <a:r>
               <a:rPr lang="en-GB" sz="2000" dirty="0" smtClean="0">
@@ -10171,6 +10215,13 @@
   <p:clrMapOvr>
     <a:masterClrMapping/>
   </p:clrMapOvr>
+  <p:timing>
+    <p:tnLst>
+      <p:par>
+        <p:cTn id="1" dur="indefinite" restart="never" nodeType="tmRoot"/>
+      </p:par>
+    </p:tnLst>
+  </p:timing>
 </p:sld>
 </file>
 
@@ -10253,13 +10304,138 @@
               <a:rPr lang="it-IT" sz="3600" b="1" dirty="0" smtClean="0">
                 <a:latin typeface="Comic Sans MS" panose="030F0702030302020204" pitchFamily="66" charset="0"/>
               </a:rPr>
-              <a:t>SIGN UP</a:t>
-            </a:r>
+              <a:t>USE CASE:</a:t>
+            </a:r>
+            <a:endParaRPr lang="it-IT" sz="3600" b="1" dirty="0">
+              <a:latin typeface="Comic Sans MS" panose="030F0702030302020204" pitchFamily="66" charset="0"/>
+            </a:endParaRPr>
+          </a:p>
+        </p:txBody>
+      </p:sp>
+      <p:pic>
+        <p:nvPicPr>
+          <p:cNvPr id="2" name="Immagine 1"/>
+          <p:cNvPicPr>
+            <a:picLocks noChangeAspect="1"/>
+          </p:cNvPicPr>
+          <p:nvPr/>
+        </p:nvPicPr>
+        <p:blipFill>
+          <a:blip r:embed="rId3"/>
+          <a:stretch>
+            <a:fillRect/>
+          </a:stretch>
+        </p:blipFill>
+        <p:spPr>
+          <a:xfrm>
+            <a:off x="2861582" y="646331"/>
+            <a:ext cx="6442075" cy="6140284"/>
+          </a:xfrm>
+          <a:prstGeom prst="rect">
+            <a:avLst/>
+          </a:prstGeom>
+        </p:spPr>
+      </p:pic>
+    </p:spTree>
+    <p:extLst>
+      <p:ext uri="{BB962C8B-B14F-4D97-AF65-F5344CB8AC3E}">
+        <p14:creationId xmlns:p14="http://schemas.microsoft.com/office/powerpoint/2010/main" val="2707942349"/>
+      </p:ext>
+    </p:extLst>
+  </p:cSld>
+  <p:clrMapOvr>
+    <a:masterClrMapping/>
+  </p:clrMapOvr>
+  <p:timing>
+    <p:tnLst>
+      <p:par>
+        <p:cTn id="1" dur="indefinite" restart="never" nodeType="tmRoot"/>
+      </p:par>
+    </p:tnLst>
+  </p:timing>
+</p:sld>
+</file>
+
+<file path=ppt/slides/slide21.xml><?xml version="1.0" encoding="utf-8"?>
+<p:sld xmlns:a="http://schemas.openxmlformats.org/drawingml/2006/main" xmlns:r="http://schemas.openxmlformats.org/officeDocument/2006/relationships" xmlns:p="http://schemas.openxmlformats.org/presentationml/2006/main">
+  <p:cSld>
+    <p:spTree>
+      <p:nvGrpSpPr>
+        <p:cNvPr id="1" name=""/>
+        <p:cNvGrpSpPr/>
+        <p:nvPr/>
+      </p:nvGrpSpPr>
+      <p:grpSpPr>
+        <a:xfrm>
+          <a:off x="0" y="0"/>
+          <a:ext cx="0" cy="0"/>
+          <a:chOff x="0" y="0"/>
+          <a:chExt cx="0" cy="0"/>
+        </a:xfrm>
+      </p:grpSpPr>
+      <p:sp>
+        <p:nvSpPr>
+          <p:cNvPr id="4" name="CasellaDiTesto 3"/>
+          <p:cNvSpPr txBox="1"/>
+          <p:nvPr/>
+        </p:nvSpPr>
+        <p:spPr>
+          <a:xfrm>
+            <a:off x="0" y="0"/>
+            <a:ext cx="6667500" cy="646331"/>
+          </a:xfrm>
+          <a:prstGeom prst="rect">
+            <a:avLst/>
+          </a:prstGeom>
+          <a:noFill/>
+        </p:spPr>
+        <p:txBody>
+          <a:bodyPr wrap="square" rtlCol="0">
+            <a:spAutoFit/>
+          </a:bodyPr>
+          <a:lstStyle/>
+          <a:p>
+            <a:pPr algn="ctr"/>
             <a:r>
               <a:rPr lang="it-IT" sz="3600" b="1" dirty="0" smtClean="0">
                 <a:latin typeface="Comic Sans MS" panose="030F0702030302020204" pitchFamily="66" charset="0"/>
               </a:rPr>
-              <a:t>:</a:t>
+              <a:t>SECTION 3 – UML MODELS</a:t>
+            </a:r>
+            <a:endParaRPr lang="it-IT" sz="3600" b="1" dirty="0">
+              <a:latin typeface="Comic Sans MS" panose="030F0702030302020204" pitchFamily="66" charset="0"/>
+            </a:endParaRPr>
+          </a:p>
+        </p:txBody>
+      </p:sp>
+      <p:sp>
+        <p:nvSpPr>
+          <p:cNvPr id="5" name="CasellaDiTesto 4"/>
+          <p:cNvSpPr txBox="1"/>
+          <p:nvPr/>
+        </p:nvSpPr>
+        <p:spPr>
+          <a:xfrm>
+            <a:off x="3240883" y="0"/>
+            <a:ext cx="8951117" cy="646331"/>
+          </a:xfrm>
+          <a:prstGeom prst="rect">
+            <a:avLst/>
+          </a:prstGeom>
+          <a:noFill/>
+        </p:spPr>
+        <p:txBody>
+          <a:bodyPr wrap="square" rtlCol="0">
+            <a:spAutoFit/>
+          </a:bodyPr>
+          <a:lstStyle/>
+          <a:p>
+            <a:pPr algn="r"/>
+            <a:r>
+              <a:rPr lang="it-IT" sz="3600" b="1" dirty="0" smtClean="0">
+                <a:latin typeface="Comic Sans MS" panose="030F0702030302020204" pitchFamily="66" charset="0"/>
+              </a:rPr>
+              <a:t>SIGN UP:</a:t>
             </a:r>
             <a:endParaRPr lang="it-IT" sz="3600" b="1" dirty="0">
               <a:latin typeface="Comic Sans MS" panose="030F0702030302020204" pitchFamily="66" charset="0"/>
@@ -10311,7 +10487,7 @@
 </p:sld>
 </file>
 
-<file path=ppt/slides/slide21.xml><?xml version="1.0" encoding="utf-8"?>
+<file path=ppt/slides/slide22.xml><?xml version="1.0" encoding="utf-8"?>
 <p:sld xmlns:a="http://schemas.openxmlformats.org/drawingml/2006/main" xmlns:r="http://schemas.openxmlformats.org/officeDocument/2006/relationships" xmlns:p="http://schemas.openxmlformats.org/presentationml/2006/main">
   <p:cSld>
     <p:spTree>
@@ -10389,13 +10565,7 @@
               <a:rPr lang="it-IT" sz="3000" b="1" dirty="0" smtClean="0">
                 <a:latin typeface="Comic Sans MS" panose="030F0702030302020204" pitchFamily="66" charset="0"/>
               </a:rPr>
-              <a:t>SIGN UP</a:t>
-            </a:r>
-            <a:r>
-              <a:rPr lang="it-IT" sz="3000" b="1" dirty="0" smtClean="0">
-                <a:latin typeface="Comic Sans MS" panose="030F0702030302020204" pitchFamily="66" charset="0"/>
-              </a:rPr>
-              <a:t>:</a:t>
+              <a:t>SIGN UP:</a:t>
             </a:r>
             <a:endParaRPr lang="it-IT" sz="3000" b="1" dirty="0">
               <a:latin typeface="Comic Sans MS" panose="030F0702030302020204" pitchFamily="66" charset="0"/>
@@ -10447,7 +10617,7 @@
 </p:sld>
 </file>
 
-<file path=ppt/slides/slide22.xml><?xml version="1.0" encoding="utf-8"?>
+<file path=ppt/slides/slide23.xml><?xml version="1.0" encoding="utf-8"?>
 <p:sld xmlns:a="http://schemas.openxmlformats.org/drawingml/2006/main" xmlns:r="http://schemas.openxmlformats.org/officeDocument/2006/relationships" xmlns:p="http://schemas.openxmlformats.org/presentationml/2006/main">
   <p:cSld>
     <p:spTree>
@@ -10577,7 +10747,7 @@
 </p:sld>
 </file>
 
-<file path=ppt/slides/slide23.xml><?xml version="1.0" encoding="utf-8"?>
+<file path=ppt/slides/slide24.xml><?xml version="1.0" encoding="utf-8"?>
 <p:sld xmlns:a="http://schemas.openxmlformats.org/drawingml/2006/main" xmlns:r="http://schemas.openxmlformats.org/officeDocument/2006/relationships" xmlns:p="http://schemas.openxmlformats.org/presentationml/2006/main">
   <p:cSld>
     <p:spTree>
@@ -10707,7 +10877,7 @@
 </p:sld>
 </file>
 
-<file path=ppt/slides/slide24.xml><?xml version="1.0" encoding="utf-8"?>
+<file path=ppt/slides/slide25.xml><?xml version="1.0" encoding="utf-8"?>
 <p:sld xmlns:a="http://schemas.openxmlformats.org/drawingml/2006/main" xmlns:r="http://schemas.openxmlformats.org/officeDocument/2006/relationships" xmlns:p="http://schemas.openxmlformats.org/presentationml/2006/main">
   <p:cSld>
     <p:spTree>
@@ -10837,7 +11007,7 @@
 </p:sld>
 </file>
 
-<file path=ppt/slides/slide25.xml><?xml version="1.0" encoding="utf-8"?>
+<file path=ppt/slides/slide26.xml><?xml version="1.0" encoding="utf-8"?>
 <p:sld xmlns:a="http://schemas.openxmlformats.org/drawingml/2006/main" xmlns:r="http://schemas.openxmlformats.org/officeDocument/2006/relationships" xmlns:p="http://schemas.openxmlformats.org/presentationml/2006/main">
   <p:cSld>
     <p:spTree>
@@ -10967,7 +11137,7 @@
 </p:sld>
 </file>
 
-<file path=ppt/slides/slide26.xml><?xml version="1.0" encoding="utf-8"?>
+<file path=ppt/slides/slide27.xml><?xml version="1.0" encoding="utf-8"?>
 <p:sld xmlns:a="http://schemas.openxmlformats.org/drawingml/2006/main" xmlns:r="http://schemas.openxmlformats.org/officeDocument/2006/relationships" xmlns:p="http://schemas.openxmlformats.org/presentationml/2006/main">
   <p:cSld>
     <p:spTree>
@@ -11107,7 +11277,7 @@
 </p:sld>
 </file>
 
-<file path=ppt/slides/slide27.xml><?xml version="1.0" encoding="utf-8"?>
+<file path=ppt/slides/slide28.xml><?xml version="1.0" encoding="utf-8"?>
 <p:sld xmlns:a="http://schemas.openxmlformats.org/drawingml/2006/main" xmlns:r="http://schemas.openxmlformats.org/officeDocument/2006/relationships" xmlns:p="http://schemas.openxmlformats.org/presentationml/2006/main">
   <p:cSld>
     <p:spTree>
@@ -11262,7 +11432,7 @@
 </p:sld>
 </file>
 
-<file path=ppt/slides/slide28.xml><?xml version="1.0" encoding="utf-8"?>
+<file path=ppt/slides/slide29.xml><?xml version="1.0" encoding="utf-8"?>
 <p:sld xmlns:a="http://schemas.openxmlformats.org/drawingml/2006/main" xmlns:r="http://schemas.openxmlformats.org/officeDocument/2006/relationships" xmlns:p="http://schemas.openxmlformats.org/presentationml/2006/main">
   <p:cSld>
     <p:spTree>
@@ -11365,13 +11535,7 @@
               <a:rPr lang="it-IT" sz="3000" b="1" dirty="0" smtClean="0">
                 <a:latin typeface="Comic Sans MS" panose="030F0702030302020204" pitchFamily="66" charset="0"/>
               </a:rPr>
-              <a:t>DRIVER</a:t>
-            </a:r>
-            <a:r>
-              <a:rPr lang="it-IT" sz="3000" b="1" dirty="0" smtClean="0">
-                <a:latin typeface="Comic Sans MS" panose="030F0702030302020204" pitchFamily="66" charset="0"/>
-              </a:rPr>
-              <a:t> FUNCTIONS:</a:t>
+              <a:t>DRIVER FUNCTIONS:</a:t>
             </a:r>
             <a:endParaRPr lang="it-IT" sz="3000" b="1" dirty="0">
               <a:latin typeface="Comic Sans MS" panose="030F0702030302020204" pitchFamily="66" charset="0"/>
@@ -11423,7 +11587,367 @@
 </p:sld>
 </file>
 
-<file path=ppt/slides/slide29.xml><?xml version="1.0" encoding="utf-8"?>
+<file path=ppt/slides/slide3.xml><?xml version="1.0" encoding="utf-8"?>
+<p:sld xmlns:a="http://schemas.openxmlformats.org/drawingml/2006/main" xmlns:r="http://schemas.openxmlformats.org/officeDocument/2006/relationships" xmlns:p="http://schemas.openxmlformats.org/presentationml/2006/main">
+  <p:cSld>
+    <p:spTree>
+      <p:nvGrpSpPr>
+        <p:cNvPr id="1" name=""/>
+        <p:cNvGrpSpPr/>
+        <p:nvPr/>
+      </p:nvGrpSpPr>
+      <p:grpSpPr>
+        <a:xfrm>
+          <a:off x="0" y="0"/>
+          <a:ext cx="0" cy="0"/>
+          <a:chOff x="0" y="0"/>
+          <a:chExt cx="0" cy="0"/>
+        </a:xfrm>
+      </p:grpSpPr>
+      <p:sp>
+        <p:nvSpPr>
+          <p:cNvPr id="4" name="CasellaDiTesto 3"/>
+          <p:cNvSpPr txBox="1"/>
+          <p:nvPr/>
+        </p:nvSpPr>
+        <p:spPr>
+          <a:xfrm>
+            <a:off x="0" y="0"/>
+            <a:ext cx="3009900" cy="646331"/>
+          </a:xfrm>
+          <a:prstGeom prst="rect">
+            <a:avLst/>
+          </a:prstGeom>
+          <a:noFill/>
+        </p:spPr>
+        <p:txBody>
+          <a:bodyPr wrap="square" rtlCol="0">
+            <a:spAutoFit/>
+          </a:bodyPr>
+          <a:lstStyle/>
+          <a:p>
+            <a:pPr algn="ctr"/>
+            <a:r>
+              <a:rPr lang="it-IT" sz="3600" b="1" dirty="0" smtClean="0">
+                <a:latin typeface="Comic Sans MS" panose="030F0702030302020204" pitchFamily="66" charset="0"/>
+              </a:rPr>
+              <a:t>SECTION 1</a:t>
+            </a:r>
+            <a:endParaRPr lang="it-IT" sz="3600" b="1" dirty="0">
+              <a:latin typeface="Comic Sans MS" panose="030F0702030302020204" pitchFamily="66" charset="0"/>
+            </a:endParaRPr>
+          </a:p>
+        </p:txBody>
+      </p:sp>
+      <p:sp>
+        <p:nvSpPr>
+          <p:cNvPr id="2" name="Rettangolo 1"/>
+          <p:cNvSpPr/>
+          <p:nvPr/>
+        </p:nvSpPr>
+        <p:spPr>
+          <a:xfrm>
+            <a:off x="1238250" y="1664702"/>
+            <a:ext cx="9982200" cy="5016758"/>
+          </a:xfrm>
+          <a:prstGeom prst="rect">
+            <a:avLst/>
+          </a:prstGeom>
+        </p:spPr>
+        <p:txBody>
+          <a:bodyPr wrap="square">
+            <a:spAutoFit/>
+          </a:bodyPr>
+          <a:lstStyle/>
+          <a:p>
+            <a:pPr algn="just"/>
+            <a:r>
+              <a:rPr lang="en-GB" sz="2000" dirty="0">
+                <a:latin typeface="Comic Sans MS" panose="030F0702030302020204" pitchFamily="66" charset="0"/>
+              </a:rPr>
+              <a:t>We will design and implement </a:t>
+            </a:r>
+            <a:r>
+              <a:rPr lang="en-GB" sz="2000" dirty="0" err="1">
+                <a:latin typeface="Comic Sans MS" panose="030F0702030302020204" pitchFamily="66" charset="0"/>
+              </a:rPr>
+              <a:t>myTaxiService</a:t>
+            </a:r>
+            <a:r>
+              <a:rPr lang="en-GB" sz="2000" dirty="0">
+                <a:latin typeface="Comic Sans MS" panose="030F0702030302020204" pitchFamily="66" charset="0"/>
+              </a:rPr>
+              <a:t>, a new web and mobile </a:t>
+            </a:r>
+            <a:r>
+              <a:rPr lang="en-GB" sz="2000" dirty="0" smtClean="0">
+                <a:latin typeface="Comic Sans MS" panose="030F0702030302020204" pitchFamily="66" charset="0"/>
+              </a:rPr>
+              <a:t>application </a:t>
+            </a:r>
+            <a:r>
+              <a:rPr lang="en-GB" sz="2000" dirty="0">
+                <a:latin typeface="Comic Sans MS" panose="030F0702030302020204" pitchFamily="66" charset="0"/>
+              </a:rPr>
+              <a:t>to optimize the taxi service in big cities. It should simplify the access </a:t>
+            </a:r>
+            <a:r>
+              <a:rPr lang="en-GB" sz="2000" dirty="0" smtClean="0">
+                <a:latin typeface="Comic Sans MS" panose="030F0702030302020204" pitchFamily="66" charset="0"/>
+              </a:rPr>
+              <a:t>of passengers </a:t>
+            </a:r>
+            <a:r>
+              <a:rPr lang="en-GB" sz="2000" dirty="0">
+                <a:latin typeface="Comic Sans MS" panose="030F0702030302020204" pitchFamily="66" charset="0"/>
+              </a:rPr>
+              <a:t>to the service and guarantee a fair management of taxi </a:t>
+            </a:r>
+            <a:r>
+              <a:rPr lang="en-GB" sz="2000" dirty="0" smtClean="0">
+                <a:latin typeface="Comic Sans MS" panose="030F0702030302020204" pitchFamily="66" charset="0"/>
+              </a:rPr>
+              <a:t>queues. The </a:t>
+            </a:r>
+            <a:r>
+              <a:rPr lang="en-GB" sz="2000" dirty="0">
+                <a:latin typeface="Comic Sans MS" panose="030F0702030302020204" pitchFamily="66" charset="0"/>
+              </a:rPr>
+              <a:t>users will have to register and login in order to use the application, </a:t>
+            </a:r>
+            <a:r>
+              <a:rPr lang="en-GB" sz="2000" dirty="0" smtClean="0">
+                <a:latin typeface="Comic Sans MS" panose="030F0702030302020204" pitchFamily="66" charset="0"/>
+              </a:rPr>
+              <a:t>then they </a:t>
+            </a:r>
+            <a:r>
+              <a:rPr lang="en-GB" sz="2000" dirty="0">
+                <a:latin typeface="Comic Sans MS" panose="030F0702030302020204" pitchFamily="66" charset="0"/>
+              </a:rPr>
+              <a:t>can request a taxi and be informed about the code of the incoming </a:t>
+            </a:r>
+            <a:r>
+              <a:rPr lang="en-GB" sz="2000" dirty="0" smtClean="0">
+                <a:latin typeface="Comic Sans MS" panose="030F0702030302020204" pitchFamily="66" charset="0"/>
+              </a:rPr>
+              <a:t>taxi and </a:t>
+            </a:r>
+            <a:r>
+              <a:rPr lang="en-GB" sz="2000" dirty="0">
+                <a:latin typeface="Comic Sans MS" panose="030F0702030302020204" pitchFamily="66" charset="0"/>
+              </a:rPr>
+              <a:t>the waiting time.</a:t>
+            </a:r>
+          </a:p>
+          <a:p>
+            <a:pPr algn="just"/>
+            <a:r>
+              <a:rPr lang="en-GB" sz="2000" dirty="0">
+                <a:latin typeface="Comic Sans MS" panose="030F0702030302020204" pitchFamily="66" charset="0"/>
+              </a:rPr>
+              <a:t>We suppose the city is divided in zones and every one of them has a </a:t>
+            </a:r>
+            <a:r>
+              <a:rPr lang="en-GB" sz="2000" dirty="0" smtClean="0">
+                <a:latin typeface="Comic Sans MS" panose="030F0702030302020204" pitchFamily="66" charset="0"/>
+              </a:rPr>
+              <a:t>queue of </a:t>
+            </a:r>
+            <a:r>
+              <a:rPr lang="en-GB" sz="2000" dirty="0">
+                <a:latin typeface="Comic Sans MS" panose="030F0702030302020204" pitchFamily="66" charset="0"/>
+              </a:rPr>
+              <a:t>available taxis present in the zone, whose position is calculated according </a:t>
+            </a:r>
+            <a:r>
+              <a:rPr lang="en-GB" sz="2000" dirty="0" smtClean="0">
+                <a:latin typeface="Comic Sans MS" panose="030F0702030302020204" pitchFamily="66" charset="0"/>
+              </a:rPr>
+              <a:t>to GPS</a:t>
+            </a:r>
+            <a:r>
+              <a:rPr lang="en-GB" sz="2000" dirty="0">
+                <a:latin typeface="Comic Sans MS" panose="030F0702030302020204" pitchFamily="66" charset="0"/>
+              </a:rPr>
+              <a:t>. After a request arrives, the system informs the </a:t>
+            </a:r>
+            <a:r>
+              <a:rPr lang="en-GB" sz="2000" dirty="0" smtClean="0">
+                <a:latin typeface="Comic Sans MS" panose="030F0702030302020204" pitchFamily="66" charset="0"/>
+              </a:rPr>
+              <a:t>first </a:t>
+            </a:r>
+            <a:r>
+              <a:rPr lang="en-GB" sz="2000" dirty="0">
+                <a:latin typeface="Comic Sans MS" panose="030F0702030302020204" pitchFamily="66" charset="0"/>
+              </a:rPr>
+              <a:t>taxi in the queue of</a:t>
+            </a:r>
+          </a:p>
+          <a:p>
+            <a:pPr algn="just"/>
+            <a:r>
+              <a:rPr lang="en-GB" sz="2000" dirty="0">
+                <a:latin typeface="Comic Sans MS" panose="030F0702030302020204" pitchFamily="66" charset="0"/>
+              </a:rPr>
+              <a:t>the zone from which the request came. If the taxi accept the request, the </a:t>
+            </a:r>
+            <a:r>
+              <a:rPr lang="en-GB" sz="2000" dirty="0" smtClean="0">
+                <a:latin typeface="Comic Sans MS" panose="030F0702030302020204" pitchFamily="66" charset="0"/>
+              </a:rPr>
+              <a:t>system sends </a:t>
+            </a:r>
+            <a:r>
+              <a:rPr lang="en-GB" sz="2000" dirty="0">
+                <a:latin typeface="Comic Sans MS" panose="030F0702030302020204" pitchFamily="66" charset="0"/>
+              </a:rPr>
+              <a:t>the </a:t>
+            </a:r>
+            <a:r>
+              <a:rPr lang="en-GB" sz="2000" dirty="0" smtClean="0">
+                <a:latin typeface="Comic Sans MS" panose="030F0702030302020204" pitchFamily="66" charset="0"/>
+              </a:rPr>
+              <a:t>confirmation </a:t>
+            </a:r>
+            <a:r>
+              <a:rPr lang="en-GB" sz="2000" dirty="0">
+                <a:latin typeface="Comic Sans MS" panose="030F0702030302020204" pitchFamily="66" charset="0"/>
+              </a:rPr>
+              <a:t>to the user. If not, the system will put it at the end </a:t>
+            </a:r>
+            <a:r>
+              <a:rPr lang="en-GB" sz="2000" dirty="0" smtClean="0">
+                <a:latin typeface="Comic Sans MS" panose="030F0702030302020204" pitchFamily="66" charset="0"/>
+              </a:rPr>
+              <a:t>of the </a:t>
+            </a:r>
+            <a:r>
+              <a:rPr lang="en-GB" sz="2000" dirty="0">
+                <a:latin typeface="Comic Sans MS" panose="030F0702030302020204" pitchFamily="66" charset="0"/>
+              </a:rPr>
+              <a:t>queue and forward the request to the next available </a:t>
+            </a:r>
+            <a:r>
+              <a:rPr lang="en-GB" sz="2000" dirty="0" smtClean="0">
+                <a:latin typeface="Comic Sans MS" panose="030F0702030302020204" pitchFamily="66" charset="0"/>
+              </a:rPr>
+              <a:t>taxi. To </a:t>
+            </a:r>
+            <a:r>
+              <a:rPr lang="en-GB" sz="2000" dirty="0">
+                <a:latin typeface="Comic Sans MS" panose="030F0702030302020204" pitchFamily="66" charset="0"/>
+              </a:rPr>
+              <a:t>accept ride requests, taxi drivers will have to login through the </a:t>
+            </a:r>
+            <a:r>
+              <a:rPr lang="en-GB" sz="2000" dirty="0" smtClean="0">
+                <a:latin typeface="Comic Sans MS" panose="030F0702030302020204" pitchFamily="66" charset="0"/>
+              </a:rPr>
+              <a:t>mobile app </a:t>
+            </a:r>
+            <a:r>
+              <a:rPr lang="en-GB" sz="2000" dirty="0">
+                <a:latin typeface="Comic Sans MS" panose="030F0702030302020204" pitchFamily="66" charset="0"/>
+              </a:rPr>
+              <a:t>like normal users. Then they can set themselves as available and </a:t>
+            </a:r>
+            <a:r>
+              <a:rPr lang="en-GB" sz="2000" dirty="0" smtClean="0">
+                <a:latin typeface="Comic Sans MS" panose="030F0702030302020204" pitchFamily="66" charset="0"/>
+              </a:rPr>
+              <a:t>receive ride requests. A </a:t>
+            </a:r>
+            <a:r>
+              <a:rPr lang="en-GB" sz="2000" dirty="0">
+                <a:latin typeface="Comic Sans MS" panose="030F0702030302020204" pitchFamily="66" charset="0"/>
+              </a:rPr>
+              <a:t>user can also reserve a taxi by inserting origin, destination and time </a:t>
+            </a:r>
+            <a:r>
+              <a:rPr lang="en-GB" sz="2000" dirty="0" smtClean="0">
+                <a:latin typeface="Comic Sans MS" panose="030F0702030302020204" pitchFamily="66" charset="0"/>
+              </a:rPr>
+              <a:t>of the </a:t>
+            </a:r>
+            <a:r>
+              <a:rPr lang="en-GB" sz="2000" dirty="0">
+                <a:latin typeface="Comic Sans MS" panose="030F0702030302020204" pitchFamily="66" charset="0"/>
+              </a:rPr>
+              <a:t>ride. The request must be submitted at least two hours before. The </a:t>
+            </a:r>
+            <a:r>
+              <a:rPr lang="en-GB" sz="2000" dirty="0" smtClean="0">
+                <a:latin typeface="Comic Sans MS" panose="030F0702030302020204" pitchFamily="66" charset="0"/>
+              </a:rPr>
+              <a:t>system will </a:t>
+            </a:r>
+            <a:r>
+              <a:rPr lang="en-GB" sz="2000" dirty="0">
+                <a:latin typeface="Comic Sans MS" panose="030F0702030302020204" pitchFamily="66" charset="0"/>
+              </a:rPr>
+              <a:t>allocate a taxi and notify the user 10 minutes before the ride.</a:t>
+            </a:r>
+          </a:p>
+        </p:txBody>
+      </p:sp>
+      <p:sp>
+        <p:nvSpPr>
+          <p:cNvPr id="5" name="CasellaDiTesto 4"/>
+          <p:cNvSpPr txBox="1"/>
+          <p:nvPr/>
+        </p:nvSpPr>
+        <p:spPr>
+          <a:xfrm>
+            <a:off x="0" y="846921"/>
+            <a:ext cx="12192000" cy="646331"/>
+          </a:xfrm>
+          <a:prstGeom prst="rect">
+            <a:avLst/>
+          </a:prstGeom>
+          <a:noFill/>
+        </p:spPr>
+        <p:txBody>
+          <a:bodyPr wrap="square" rtlCol="0">
+            <a:spAutoFit/>
+          </a:bodyPr>
+          <a:lstStyle/>
+          <a:p>
+            <a:pPr algn="ctr"/>
+            <a:r>
+              <a:rPr lang="it-IT" sz="3600" b="1" dirty="0" smtClean="0">
+                <a:latin typeface="Comic Sans MS" panose="030F0702030302020204" pitchFamily="66" charset="0"/>
+              </a:rPr>
+              <a:t>DESCRIPTION OF THE GIVEN PROBLEM</a:t>
+            </a:r>
+            <a:endParaRPr lang="it-IT" sz="3600" b="1" dirty="0">
+              <a:latin typeface="Comic Sans MS" panose="030F0702030302020204" pitchFamily="66" charset="0"/>
+            </a:endParaRPr>
+          </a:p>
+        </p:txBody>
+      </p:sp>
+    </p:spTree>
+    <p:extLst>
+      <p:ext uri="{BB962C8B-B14F-4D97-AF65-F5344CB8AC3E}">
+        <p14:creationId xmlns:p14="http://schemas.microsoft.com/office/powerpoint/2010/main" val="159755025"/>
+      </p:ext>
+    </p:extLst>
+  </p:cSld>
+  <p:clrMapOvr>
+    <a:masterClrMapping/>
+  </p:clrMapOvr>
+  <p:timing>
+    <p:tnLst>
+      <p:par>
+        <p:cTn id="1" dur="indefinite" restart="never" nodeType="tmRoot"/>
+      </p:par>
+    </p:tnLst>
+  </p:timing>
+</p:sld>
+</file>
+
+<file path=ppt/slides/slide30.xml><?xml version="1.0" encoding="utf-8"?>
 <p:sld xmlns:a="http://schemas.openxmlformats.org/drawingml/2006/main" xmlns:r="http://schemas.openxmlformats.org/officeDocument/2006/relationships" xmlns:p="http://schemas.openxmlformats.org/presentationml/2006/main">
   <p:cSld>
     <p:spTree>
@@ -11559,360 +12083,7 @@
 </p:sld>
 </file>
 
-<file path=ppt/slides/slide3.xml><?xml version="1.0" encoding="utf-8"?>
-<p:sld xmlns:a="http://schemas.openxmlformats.org/drawingml/2006/main" xmlns:r="http://schemas.openxmlformats.org/officeDocument/2006/relationships" xmlns:p="http://schemas.openxmlformats.org/presentationml/2006/main">
-  <p:cSld>
-    <p:spTree>
-      <p:nvGrpSpPr>
-        <p:cNvPr id="1" name=""/>
-        <p:cNvGrpSpPr/>
-        <p:nvPr/>
-      </p:nvGrpSpPr>
-      <p:grpSpPr>
-        <a:xfrm>
-          <a:off x="0" y="0"/>
-          <a:ext cx="0" cy="0"/>
-          <a:chOff x="0" y="0"/>
-          <a:chExt cx="0" cy="0"/>
-        </a:xfrm>
-      </p:grpSpPr>
-      <p:sp>
-        <p:nvSpPr>
-          <p:cNvPr id="4" name="CasellaDiTesto 3"/>
-          <p:cNvSpPr txBox="1"/>
-          <p:nvPr/>
-        </p:nvSpPr>
-        <p:spPr>
-          <a:xfrm>
-            <a:off x="0" y="0"/>
-            <a:ext cx="3009900" cy="646331"/>
-          </a:xfrm>
-          <a:prstGeom prst="rect">
-            <a:avLst/>
-          </a:prstGeom>
-          <a:noFill/>
-        </p:spPr>
-        <p:txBody>
-          <a:bodyPr wrap="square" rtlCol="0">
-            <a:spAutoFit/>
-          </a:bodyPr>
-          <a:lstStyle/>
-          <a:p>
-            <a:pPr algn="ctr"/>
-            <a:r>
-              <a:rPr lang="it-IT" sz="3600" b="1" dirty="0" smtClean="0">
-                <a:latin typeface="Comic Sans MS" panose="030F0702030302020204" pitchFamily="66" charset="0"/>
-              </a:rPr>
-              <a:t>SECTION 1</a:t>
-            </a:r>
-            <a:endParaRPr lang="it-IT" sz="3600" b="1" dirty="0">
-              <a:latin typeface="Comic Sans MS" panose="030F0702030302020204" pitchFamily="66" charset="0"/>
-            </a:endParaRPr>
-          </a:p>
-        </p:txBody>
-      </p:sp>
-      <p:sp>
-        <p:nvSpPr>
-          <p:cNvPr id="2" name="Rettangolo 1"/>
-          <p:cNvSpPr/>
-          <p:nvPr/>
-        </p:nvSpPr>
-        <p:spPr>
-          <a:xfrm>
-            <a:off x="1238250" y="1664702"/>
-            <a:ext cx="9982200" cy="5016758"/>
-          </a:xfrm>
-          <a:prstGeom prst="rect">
-            <a:avLst/>
-          </a:prstGeom>
-        </p:spPr>
-        <p:txBody>
-          <a:bodyPr wrap="square">
-            <a:spAutoFit/>
-          </a:bodyPr>
-          <a:lstStyle/>
-          <a:p>
-            <a:pPr algn="just"/>
-            <a:r>
-              <a:rPr lang="en-GB" sz="2000" dirty="0">
-                <a:latin typeface="Comic Sans MS" panose="030F0702030302020204" pitchFamily="66" charset="0"/>
-              </a:rPr>
-              <a:t>We will design and implement </a:t>
-            </a:r>
-            <a:r>
-              <a:rPr lang="en-GB" sz="2000" dirty="0" err="1">
-                <a:latin typeface="Comic Sans MS" panose="030F0702030302020204" pitchFamily="66" charset="0"/>
-              </a:rPr>
-              <a:t>myTaxiService</a:t>
-            </a:r>
-            <a:r>
-              <a:rPr lang="en-GB" sz="2000" dirty="0">
-                <a:latin typeface="Comic Sans MS" panose="030F0702030302020204" pitchFamily="66" charset="0"/>
-              </a:rPr>
-              <a:t>, a new web and mobile </a:t>
-            </a:r>
-            <a:r>
-              <a:rPr lang="en-GB" sz="2000" dirty="0" smtClean="0">
-                <a:latin typeface="Comic Sans MS" panose="030F0702030302020204" pitchFamily="66" charset="0"/>
-              </a:rPr>
-              <a:t>application </a:t>
-            </a:r>
-            <a:r>
-              <a:rPr lang="en-GB" sz="2000" dirty="0">
-                <a:latin typeface="Comic Sans MS" panose="030F0702030302020204" pitchFamily="66" charset="0"/>
-              </a:rPr>
-              <a:t>to optimize the taxi service in big cities. It should simplify the access </a:t>
-            </a:r>
-            <a:r>
-              <a:rPr lang="en-GB" sz="2000" dirty="0" smtClean="0">
-                <a:latin typeface="Comic Sans MS" panose="030F0702030302020204" pitchFamily="66" charset="0"/>
-              </a:rPr>
-              <a:t>of passengers </a:t>
-            </a:r>
-            <a:r>
-              <a:rPr lang="en-GB" sz="2000" dirty="0">
-                <a:latin typeface="Comic Sans MS" panose="030F0702030302020204" pitchFamily="66" charset="0"/>
-              </a:rPr>
-              <a:t>to the service and guarantee a fair management of taxi </a:t>
-            </a:r>
-            <a:r>
-              <a:rPr lang="en-GB" sz="2000" dirty="0" smtClean="0">
-                <a:latin typeface="Comic Sans MS" panose="030F0702030302020204" pitchFamily="66" charset="0"/>
-              </a:rPr>
-              <a:t>queues. The </a:t>
-            </a:r>
-            <a:r>
-              <a:rPr lang="en-GB" sz="2000" dirty="0">
-                <a:latin typeface="Comic Sans MS" panose="030F0702030302020204" pitchFamily="66" charset="0"/>
-              </a:rPr>
-              <a:t>users will have to register and login in order to use the application, </a:t>
-            </a:r>
-            <a:r>
-              <a:rPr lang="en-GB" sz="2000" dirty="0" smtClean="0">
-                <a:latin typeface="Comic Sans MS" panose="030F0702030302020204" pitchFamily="66" charset="0"/>
-              </a:rPr>
-              <a:t>then they </a:t>
-            </a:r>
-            <a:r>
-              <a:rPr lang="en-GB" sz="2000" dirty="0">
-                <a:latin typeface="Comic Sans MS" panose="030F0702030302020204" pitchFamily="66" charset="0"/>
-              </a:rPr>
-              <a:t>can request a taxi and be informed about the code of the incoming </a:t>
-            </a:r>
-            <a:r>
-              <a:rPr lang="en-GB" sz="2000" dirty="0" smtClean="0">
-                <a:latin typeface="Comic Sans MS" panose="030F0702030302020204" pitchFamily="66" charset="0"/>
-              </a:rPr>
-              <a:t>taxi and </a:t>
-            </a:r>
-            <a:r>
-              <a:rPr lang="en-GB" sz="2000" dirty="0">
-                <a:latin typeface="Comic Sans MS" panose="030F0702030302020204" pitchFamily="66" charset="0"/>
-              </a:rPr>
-              <a:t>the waiting time.</a:t>
-            </a:r>
-          </a:p>
-          <a:p>
-            <a:pPr algn="just"/>
-            <a:r>
-              <a:rPr lang="en-GB" sz="2000" dirty="0">
-                <a:latin typeface="Comic Sans MS" panose="030F0702030302020204" pitchFamily="66" charset="0"/>
-              </a:rPr>
-              <a:t>We suppose the city is divided in zones and every one of them has a </a:t>
-            </a:r>
-            <a:r>
-              <a:rPr lang="en-GB" sz="2000" dirty="0" smtClean="0">
-                <a:latin typeface="Comic Sans MS" panose="030F0702030302020204" pitchFamily="66" charset="0"/>
-              </a:rPr>
-              <a:t>queue of </a:t>
-            </a:r>
-            <a:r>
-              <a:rPr lang="en-GB" sz="2000" dirty="0">
-                <a:latin typeface="Comic Sans MS" panose="030F0702030302020204" pitchFamily="66" charset="0"/>
-              </a:rPr>
-              <a:t>available taxis present in the zone, whose position is calculated according </a:t>
-            </a:r>
-            <a:r>
-              <a:rPr lang="en-GB" sz="2000" dirty="0" smtClean="0">
-                <a:latin typeface="Comic Sans MS" panose="030F0702030302020204" pitchFamily="66" charset="0"/>
-              </a:rPr>
-              <a:t>to GPS</a:t>
-            </a:r>
-            <a:r>
-              <a:rPr lang="en-GB" sz="2000" dirty="0">
-                <a:latin typeface="Comic Sans MS" panose="030F0702030302020204" pitchFamily="66" charset="0"/>
-              </a:rPr>
-              <a:t>. After a request arrives, the system informs the </a:t>
-            </a:r>
-            <a:r>
-              <a:rPr lang="en-GB" sz="2000" dirty="0" smtClean="0">
-                <a:latin typeface="Comic Sans MS" panose="030F0702030302020204" pitchFamily="66" charset="0"/>
-              </a:rPr>
-              <a:t>first </a:t>
-            </a:r>
-            <a:r>
-              <a:rPr lang="en-GB" sz="2000" dirty="0">
-                <a:latin typeface="Comic Sans MS" panose="030F0702030302020204" pitchFamily="66" charset="0"/>
-              </a:rPr>
-              <a:t>taxi in the queue of</a:t>
-            </a:r>
-          </a:p>
-          <a:p>
-            <a:pPr algn="just"/>
-            <a:r>
-              <a:rPr lang="en-GB" sz="2000" dirty="0">
-                <a:latin typeface="Comic Sans MS" panose="030F0702030302020204" pitchFamily="66" charset="0"/>
-              </a:rPr>
-              <a:t>the zone from which the request came. If the taxi accept the request, the </a:t>
-            </a:r>
-            <a:r>
-              <a:rPr lang="en-GB" sz="2000" dirty="0" smtClean="0">
-                <a:latin typeface="Comic Sans MS" panose="030F0702030302020204" pitchFamily="66" charset="0"/>
-              </a:rPr>
-              <a:t>system sends </a:t>
-            </a:r>
-            <a:r>
-              <a:rPr lang="en-GB" sz="2000" dirty="0">
-                <a:latin typeface="Comic Sans MS" panose="030F0702030302020204" pitchFamily="66" charset="0"/>
-              </a:rPr>
-              <a:t>the </a:t>
-            </a:r>
-            <a:r>
-              <a:rPr lang="en-GB" sz="2000" dirty="0" smtClean="0">
-                <a:latin typeface="Comic Sans MS" panose="030F0702030302020204" pitchFamily="66" charset="0"/>
-              </a:rPr>
-              <a:t>confirmation </a:t>
-            </a:r>
-            <a:r>
-              <a:rPr lang="en-GB" sz="2000" dirty="0">
-                <a:latin typeface="Comic Sans MS" panose="030F0702030302020204" pitchFamily="66" charset="0"/>
-              </a:rPr>
-              <a:t>to the user. If not, the system will put it at the end </a:t>
-            </a:r>
-            <a:r>
-              <a:rPr lang="en-GB" sz="2000" dirty="0" smtClean="0">
-                <a:latin typeface="Comic Sans MS" panose="030F0702030302020204" pitchFamily="66" charset="0"/>
-              </a:rPr>
-              <a:t>of the </a:t>
-            </a:r>
-            <a:r>
-              <a:rPr lang="en-GB" sz="2000" dirty="0">
-                <a:latin typeface="Comic Sans MS" panose="030F0702030302020204" pitchFamily="66" charset="0"/>
-              </a:rPr>
-              <a:t>queue and forward the request to the next available </a:t>
-            </a:r>
-            <a:r>
-              <a:rPr lang="en-GB" sz="2000" dirty="0" smtClean="0">
-                <a:latin typeface="Comic Sans MS" panose="030F0702030302020204" pitchFamily="66" charset="0"/>
-              </a:rPr>
-              <a:t>taxi. To </a:t>
-            </a:r>
-            <a:r>
-              <a:rPr lang="en-GB" sz="2000" dirty="0">
-                <a:latin typeface="Comic Sans MS" panose="030F0702030302020204" pitchFamily="66" charset="0"/>
-              </a:rPr>
-              <a:t>accept ride requests, taxi drivers will have to login through the </a:t>
-            </a:r>
-            <a:r>
-              <a:rPr lang="en-GB" sz="2000" dirty="0" smtClean="0">
-                <a:latin typeface="Comic Sans MS" panose="030F0702030302020204" pitchFamily="66" charset="0"/>
-              </a:rPr>
-              <a:t>mobile app </a:t>
-            </a:r>
-            <a:r>
-              <a:rPr lang="en-GB" sz="2000" dirty="0">
-                <a:latin typeface="Comic Sans MS" panose="030F0702030302020204" pitchFamily="66" charset="0"/>
-              </a:rPr>
-              <a:t>like normal users. Then they can set themselves as available and </a:t>
-            </a:r>
-            <a:r>
-              <a:rPr lang="en-GB" sz="2000" dirty="0" smtClean="0">
-                <a:latin typeface="Comic Sans MS" panose="030F0702030302020204" pitchFamily="66" charset="0"/>
-              </a:rPr>
-              <a:t>receive ride requests. A </a:t>
-            </a:r>
-            <a:r>
-              <a:rPr lang="en-GB" sz="2000" dirty="0">
-                <a:latin typeface="Comic Sans MS" panose="030F0702030302020204" pitchFamily="66" charset="0"/>
-              </a:rPr>
-              <a:t>user can also reserve a taxi by inserting origin, destination and time </a:t>
-            </a:r>
-            <a:r>
-              <a:rPr lang="en-GB" sz="2000" dirty="0" smtClean="0">
-                <a:latin typeface="Comic Sans MS" panose="030F0702030302020204" pitchFamily="66" charset="0"/>
-              </a:rPr>
-              <a:t>of the </a:t>
-            </a:r>
-            <a:r>
-              <a:rPr lang="en-GB" sz="2000" dirty="0">
-                <a:latin typeface="Comic Sans MS" panose="030F0702030302020204" pitchFamily="66" charset="0"/>
-              </a:rPr>
-              <a:t>ride. The request must be submitted at least two hours before. The </a:t>
-            </a:r>
-            <a:r>
-              <a:rPr lang="en-GB" sz="2000" dirty="0" smtClean="0">
-                <a:latin typeface="Comic Sans MS" panose="030F0702030302020204" pitchFamily="66" charset="0"/>
-              </a:rPr>
-              <a:t>system will </a:t>
-            </a:r>
-            <a:r>
-              <a:rPr lang="en-GB" sz="2000" dirty="0">
-                <a:latin typeface="Comic Sans MS" panose="030F0702030302020204" pitchFamily="66" charset="0"/>
-              </a:rPr>
-              <a:t>allocate a taxi and notify the user 10 minutes before the ride.</a:t>
-            </a:r>
-          </a:p>
-        </p:txBody>
-      </p:sp>
-      <p:sp>
-        <p:nvSpPr>
-          <p:cNvPr id="5" name="CasellaDiTesto 4"/>
-          <p:cNvSpPr txBox="1"/>
-          <p:nvPr/>
-        </p:nvSpPr>
-        <p:spPr>
-          <a:xfrm>
-            <a:off x="0" y="846921"/>
-            <a:ext cx="12192000" cy="646331"/>
-          </a:xfrm>
-          <a:prstGeom prst="rect">
-            <a:avLst/>
-          </a:prstGeom>
-          <a:noFill/>
-        </p:spPr>
-        <p:txBody>
-          <a:bodyPr wrap="square" rtlCol="0">
-            <a:spAutoFit/>
-          </a:bodyPr>
-          <a:lstStyle/>
-          <a:p>
-            <a:pPr algn="ctr"/>
-            <a:r>
-              <a:rPr lang="it-IT" sz="3600" b="1" dirty="0" smtClean="0">
-                <a:latin typeface="Comic Sans MS" panose="030F0702030302020204" pitchFamily="66" charset="0"/>
-              </a:rPr>
-              <a:t>DESCRIPTION OF THE GIVEN PROBLEM</a:t>
-            </a:r>
-            <a:endParaRPr lang="it-IT" sz="3600" b="1" dirty="0">
-              <a:latin typeface="Comic Sans MS" panose="030F0702030302020204" pitchFamily="66" charset="0"/>
-            </a:endParaRPr>
-          </a:p>
-        </p:txBody>
-      </p:sp>
-    </p:spTree>
-    <p:extLst>
-      <p:ext uri="{BB962C8B-B14F-4D97-AF65-F5344CB8AC3E}">
-        <p14:creationId xmlns:p14="http://schemas.microsoft.com/office/powerpoint/2010/main" val="159755025"/>
-      </p:ext>
-    </p:extLst>
-  </p:cSld>
-  <p:clrMapOvr>
-    <a:masterClrMapping/>
-  </p:clrMapOvr>
-</p:sld>
-</file>
-
-<file path=ppt/slides/slide30.xml><?xml version="1.0" encoding="utf-8"?>
+<file path=ppt/slides/slide31.xml><?xml version="1.0" encoding="utf-8"?>
 <p:sld xmlns:a="http://schemas.openxmlformats.org/drawingml/2006/main" xmlns:r="http://schemas.openxmlformats.org/officeDocument/2006/relationships" xmlns:p="http://schemas.openxmlformats.org/presentationml/2006/main">
   <p:cSld>
     <p:spTree>
@@ -12144,7 +12315,7 @@
         <p:spPr>
           <a:xfrm>
             <a:off x="1104900" y="2007602"/>
-            <a:ext cx="9982200" cy="4093428"/>
+            <a:ext cx="9982200" cy="3785652"/>
           </a:xfrm>
           <a:prstGeom prst="rect">
             <a:avLst/>
@@ -12296,19 +12467,31 @@
               <a:rPr lang="en-GB" sz="2000" dirty="0">
                 <a:latin typeface="Comic Sans MS" panose="030F0702030302020204" pitchFamily="66" charset="0"/>
               </a:rPr>
-              <a:t>: they have the functionalities of both customer and worker, </a:t>
-            </a:r>
-            <a:r>
-              <a:rPr lang="en-GB" sz="2000" dirty="0" smtClean="0">
-                <a:latin typeface="Comic Sans MS" panose="030F0702030302020204" pitchFamily="66" charset="0"/>
-              </a:rPr>
-              <a:t>so they </a:t>
-            </a:r>
-            <a:r>
-              <a:rPr lang="en-GB" sz="2000" dirty="0">
-                <a:latin typeface="Comic Sans MS" panose="030F0702030302020204" pitchFamily="66" charset="0"/>
-              </a:rPr>
-              <a:t>can set themselves as available and so can be </a:t>
+              <a:t>: </a:t>
+            </a:r>
+            <a:r>
+              <a:rPr lang="en-GB" sz="2000" dirty="0" smtClean="0">
+                <a:latin typeface="Comic Sans MS" panose="030F0702030302020204" pitchFamily="66" charset="0"/>
+              </a:rPr>
+              <a:t>this type of user, after a successful login, can </a:t>
+            </a:r>
+            <a:r>
+              <a:rPr lang="en-GB" sz="2000" dirty="0">
+                <a:latin typeface="Comic Sans MS" panose="030F0702030302020204" pitchFamily="66" charset="0"/>
+              </a:rPr>
+              <a:t>set </a:t>
+            </a:r>
+            <a:r>
+              <a:rPr lang="en-GB" sz="2000" dirty="0" smtClean="0">
+                <a:latin typeface="Comic Sans MS" panose="030F0702030302020204" pitchFamily="66" charset="0"/>
+              </a:rPr>
+              <a:t>himself </a:t>
+            </a:r>
+            <a:r>
+              <a:rPr lang="en-GB" sz="2000" dirty="0">
+                <a:latin typeface="Comic Sans MS" panose="030F0702030302020204" pitchFamily="66" charset="0"/>
+              </a:rPr>
+              <a:t>as available and so can be </a:t>
             </a:r>
             <a:r>
               <a:rPr lang="en-GB" sz="2000" dirty="0" smtClean="0">
@@ -12332,19 +12515,31 @@
               <a:rPr lang="en-GB" sz="2000" dirty="0">
                 <a:latin typeface="Comic Sans MS" panose="030F0702030302020204" pitchFamily="66" charset="0"/>
               </a:rPr>
-              <a:t>request arrives, but can also use the application as a registered </a:t>
-            </a:r>
-            <a:r>
-              <a:rPr lang="en-GB" sz="2000" dirty="0" smtClean="0">
-                <a:latin typeface="Comic Sans MS" panose="030F0702030302020204" pitchFamily="66" charset="0"/>
-              </a:rPr>
-              <a:t>user when </a:t>
-            </a:r>
-            <a:r>
-              <a:rPr lang="en-GB" sz="2000" dirty="0">
-                <a:latin typeface="Comic Sans MS" panose="030F0702030302020204" pitchFamily="66" charset="0"/>
-              </a:rPr>
-              <a:t>they are not working.</a:t>
+              <a:t>request </a:t>
+            </a:r>
+            <a:r>
+              <a:rPr lang="en-GB" sz="2000" dirty="0" smtClean="0">
+                <a:latin typeface="Comic Sans MS" panose="030F0702030302020204" pitchFamily="66" charset="0"/>
+              </a:rPr>
+              <a:t>arrives and, if </a:t>
+            </a:r>
+            <a:r>
+              <a:rPr lang="en-GB" sz="2000" smtClean="0">
+                <a:latin typeface="Comic Sans MS" panose="030F0702030302020204" pitchFamily="66" charset="0"/>
+              </a:rPr>
+              <a:t>he sees </a:t>
+            </a:r>
+            <a:r>
+              <a:rPr lang="en-GB" sz="2000" dirty="0" smtClean="0">
+                <a:latin typeface="Comic Sans MS" panose="030F0702030302020204" pitchFamily="66" charset="0"/>
+              </a:rPr>
+              <a:t>it, </a:t>
+            </a:r>
+            <a:r>
+              <a:rPr lang="en-GB" sz="2000" dirty="0" smtClean="0">
+                <a:latin typeface="Comic Sans MS" panose="030F0702030302020204" pitchFamily="66" charset="0"/>
+              </a:rPr>
+              <a:t>to accepts it.</a:t>
             </a:r>
             <a:endParaRPr lang="en-GB" sz="2000" dirty="0">
               <a:latin typeface="Comic Sans MS" panose="030F0702030302020204" pitchFamily="66" charset="0"/>
@@ -12362,6 +12557,13 @@
   <p:clrMapOvr>
     <a:masterClrMapping/>
   </p:clrMapOvr>
+  <p:timing>
+    <p:tnLst>
+      <p:par>
+        <p:cTn id="1" dur="indefinite" restart="never" nodeType="tmRoot"/>
+      </p:par>
+    </p:tnLst>
+  </p:timing>
 </p:sld>
 </file>
 
@@ -13516,7 +13718,13 @@
               <a:rPr lang="en-GB" sz="2000" dirty="0" smtClean="0">
                 <a:latin typeface="Comic Sans MS" panose="030F0702030302020204" pitchFamily="66" charset="0"/>
               </a:rPr>
-              <a:t>application will always  manage </a:t>
+              <a:t>application will always  </a:t>
+            </a:r>
+            <a:r>
+              <a:rPr lang="en-GB" sz="2000" dirty="0" smtClean="0">
+                <a:latin typeface="Comic Sans MS" panose="030F0702030302020204" pitchFamily="66" charset="0"/>
+              </a:rPr>
+              <a:t>             manage </a:t>
             </a:r>
             <a:r>
               <a:rPr lang="en-GB" sz="2000" dirty="0">
@@ -13897,13 +14105,7 @@
               <a:rPr lang="en-GB" sz="2000" dirty="0">
                 <a:latin typeface="Comic Sans MS" panose="030F0702030302020204" pitchFamily="66" charset="0"/>
               </a:rPr>
-              <a:t>After login, this is what users will see. </a:t>
-            </a:r>
-            <a:r>
-              <a:rPr lang="en-GB" sz="2000" dirty="0">
-                <a:latin typeface="Comic Sans MS" panose="030F0702030302020204" pitchFamily="66" charset="0"/>
-              </a:rPr>
-              <a:t>The graphic is minimal but really </a:t>
+              <a:t>After login, this is what users will see. The graphic is minimal but really </a:t>
             </a:r>
             <a:r>
               <a:rPr lang="en-GB" sz="2000" dirty="0" smtClean="0">
@@ -13951,13 +14153,7 @@
               <a:rPr lang="en-GB" sz="2000" dirty="0">
                 <a:latin typeface="Comic Sans MS" panose="030F0702030302020204" pitchFamily="66" charset="0"/>
               </a:rPr>
-              <a:t>After login, this is the page drivers will see. </a:t>
-            </a:r>
-            <a:r>
-              <a:rPr lang="en-GB" sz="2000" dirty="0">
-                <a:latin typeface="Comic Sans MS" panose="030F0702030302020204" pitchFamily="66" charset="0"/>
-              </a:rPr>
-              <a:t>It allows them to set themselves </a:t>
+              <a:t>After login, this is the page drivers will see. It allows them to set themselves </a:t>
             </a:r>
             <a:r>
               <a:rPr lang="en-GB" sz="2000" dirty="0" smtClean="0">
